--- a/doc/diagrams/algs_hierarchy.pptx
+++ b/doc/diagrams/algs_hierarchy.pptx
@@ -208,7 +208,7 @@
           <a:p>
             <a:fld id="{C24E3D11-9E97-40F3-A2C7-30487222772C}" type="datetimeFigureOut">
               <a:rPr lang="en-US" smtClean="0"/>
-              <a:t>1/7/2015</a:t>
+              <a:t>4/8/2015</a:t>
             </a:fld>
             <a:endParaRPr lang="en-US"/>
           </a:p>
@@ -2703,7 +2703,7 @@
           <p:nvPr>
             <p:extLst>
               <p:ext uri="{D42A27DB-BD31-4B8C-83A1-F6EECF244321}">
-                <p14:modId xmlns:p14="http://schemas.microsoft.com/office/powerpoint/2010/main" val="2916157978"/>
+                <p14:modId xmlns:p14="http://schemas.microsoft.com/office/powerpoint/2010/main" val="404058586"/>
               </p:ext>
             </p:extLst>
           </p:nvPr>
@@ -2902,78 +2902,7 @@
                         <a:rPr lang="en-US" sz="1000" dirty="0" smtClean="0"/>
                         <a:t>CS</a:t>
                       </a:r>
-                      <a:endParaRPr lang="en-US" sz="1000" dirty="0"/>
-                    </a:p>
-                  </a:txBody>
-                  <a:tcPr/>
-                </a:tc>
-                <a:tc>
-                  <a:txBody>
-                    <a:bodyPr/>
-                    <a:lstStyle/>
-                    <a:p>
-                      <a:pPr marL="171450" indent="-171450">
-                        <a:buFont typeface="Arial" panose="020B0604020202020204" pitchFamily="34" charset="0"/>
-                        <a:buChar char="•"/>
-                      </a:pPr>
-                      <a:endParaRPr lang="en-US" sz="1000" dirty="0"/>
-                    </a:p>
-                  </a:txBody>
-                  <a:tcPr/>
-                </a:tc>
-                <a:tc>
-                  <a:txBody>
-                    <a:bodyPr/>
-                    <a:lstStyle/>
-                    <a:p>
-                      <a:pPr marL="171450" indent="-171450">
-                        <a:buFont typeface="Arial" panose="020B0604020202020204" pitchFamily="34" charset="0"/>
-                        <a:buChar char="•"/>
-                      </a:pPr>
-                      <a:r>
-                        <a:rPr lang="en-US" sz="1000" dirty="0" smtClean="0"/>
-                        <a:t>R</a:t>
-                      </a:r>
-                      <a:endParaRPr lang="en-US" sz="1000" dirty="0"/>
-                    </a:p>
-                  </a:txBody>
-                  <a:tcPr/>
-                </a:tc>
-              </a:tr>
-              <a:tr h="609600">
-                <a:tc vMerge="1">
-                  <a:txBody>
-                    <a:bodyPr/>
-                    <a:lstStyle/>
-                    <a:p>
-                      <a:endParaRPr lang="en-US" sz="1000" dirty="0"/>
-                    </a:p>
-                  </a:txBody>
-                  <a:tcPr/>
-                </a:tc>
-                <a:tc>
-                  <a:txBody>
-                    <a:bodyPr/>
-                    <a:lstStyle/>
-                    <a:p>
-                      <a:r>
-                        <a:rPr lang="en-US" sz="1000" dirty="0" smtClean="0"/>
-                        <a:t>Naïve</a:t>
-                      </a:r>
-                    </a:p>
-                    <a:p>
-                      <a:r>
-                        <a:rPr lang="en-US" sz="1000" dirty="0" smtClean="0"/>
-                        <a:t>Bayes</a:t>
-                      </a:r>
-                    </a:p>
-                  </a:txBody>
-                  <a:tcPr/>
-                </a:tc>
-                <a:tc>
-                  <a:txBody>
-                    <a:bodyPr/>
-                    <a:lstStyle/>
+                    </a:p>
                     <a:p>
                       <a:pPr marL="171450" marR="0" indent="-171450" algn="l" defTabSz="742897" rtl="0" eaLnBrk="1" fontAlgn="auto" latinLnBrk="0" hangingPunct="1">
                         <a:lnSpc>
@@ -2994,7 +2923,7 @@
                       </a:pPr>
                       <a:r>
                         <a:rPr lang="en-US" sz="1000" dirty="0" smtClean="0"/>
-                        <a:t>Gaussian NB</a:t>
+                        <a:t>RG</a:t>
                       </a:r>
                     </a:p>
                     <a:p>
@@ -3016,10 +2945,6 @@
                         <a:buFont typeface="Arial" panose="020B0604020202020204" pitchFamily="34" charset="0"/>
                         <a:buChar char="•"/>
                       </a:pPr>
-                      <a:r>
-                        <a:rPr lang="en-US" sz="1000" dirty="0" smtClean="0"/>
-                        <a:t>CS</a:t>
-                      </a:r>
                       <a:endParaRPr lang="en-US" sz="1000" dirty="0"/>
                     </a:p>
                   </a:txBody>
@@ -3034,15 +2959,11 @@
                         <a:buFont typeface="Arial" panose="020B0604020202020204" pitchFamily="34" charset="0"/>
                         <a:buChar char="•"/>
                       </a:pPr>
-                      <a:endParaRPr lang="en-US" sz="1000"/>
-                    </a:p>
-                  </a:txBody>
-                  <a:tcPr/>
-                </a:tc>
-                <a:tc>
-                  <a:txBody>
-                    <a:bodyPr/>
-                    <a:lstStyle/>
+                      <a:r>
+                        <a:rPr lang="en-US" sz="1000" dirty="0" smtClean="0"/>
+                        <a:t>S</a:t>
+                      </a:r>
+                    </a:p>
                     <a:p>
                       <a:pPr marL="171450" indent="-171450">
                         <a:buFont typeface="Arial" panose="020B0604020202020204" pitchFamily="34" charset="0"/>
@@ -3076,40 +2997,43 @@
                     <a:p>
                       <a:r>
                         <a:rPr lang="en-US" sz="1000" dirty="0" smtClean="0"/>
-                        <a:t>Nearest</a:t>
-                      </a:r>
-                    </a:p>
-                    <a:p>
-                      <a:r>
-                        <a:rPr lang="en-US" sz="1000" dirty="0" smtClean="0"/>
-                        <a:t>Neighbors</a:t>
-                      </a:r>
-                    </a:p>
-                  </a:txBody>
-                  <a:tcPr/>
-                </a:tc>
-                <a:tc>
-                  <a:txBody>
-                    <a:bodyPr/>
-                    <a:lstStyle/>
-                    <a:p>
-                      <a:pPr marL="171450" indent="-171450">
-                        <a:buFont typeface="Arial" panose="020B0604020202020204" pitchFamily="34" charset="0"/>
-                        <a:buChar char="•"/>
-                      </a:pPr>
-                      <a:r>
-                        <a:rPr lang="en-US" sz="1000" dirty="0" smtClean="0"/>
-                        <a:t>Ball Tree KNN</a:t>
-                      </a:r>
-                    </a:p>
-                    <a:p>
-                      <a:pPr marL="171450" indent="-171450">
-                        <a:buFont typeface="Arial" panose="020B0604020202020204" pitchFamily="34" charset="0"/>
-                        <a:buChar char="•"/>
-                      </a:pPr>
-                      <a:r>
-                        <a:rPr lang="en-US" sz="1000" dirty="0" smtClean="0"/>
-                        <a:t>KD-Tree KNN</a:t>
+                        <a:t>Naïve</a:t>
+                      </a:r>
+                    </a:p>
+                    <a:p>
+                      <a:r>
+                        <a:rPr lang="en-US" sz="1000" dirty="0" smtClean="0"/>
+                        <a:t>Bayes</a:t>
+                      </a:r>
+                    </a:p>
+                  </a:txBody>
+                  <a:tcPr/>
+                </a:tc>
+                <a:tc>
+                  <a:txBody>
+                    <a:bodyPr/>
+                    <a:lstStyle/>
+                    <a:p>
+                      <a:pPr marL="171450" marR="0" indent="-171450" algn="l" defTabSz="742897" rtl="0" eaLnBrk="1" fontAlgn="auto" latinLnBrk="0" hangingPunct="1">
+                        <a:lnSpc>
+                          <a:spcPct val="100000"/>
+                        </a:lnSpc>
+                        <a:spcBef>
+                          <a:spcPts val="0"/>
+                        </a:spcBef>
+                        <a:spcAft>
+                          <a:spcPts val="0"/>
+                        </a:spcAft>
+                        <a:buClrTx/>
+                        <a:buSzTx/>
+                        <a:buFont typeface="Arial" panose="020B0604020202020204" pitchFamily="34" charset="0"/>
+                        <a:buChar char="•"/>
+                        <a:tabLst/>
+                        <a:defRPr/>
+                      </a:pPr>
+                      <a:r>
+                        <a:rPr lang="en-US" sz="1000" dirty="0" smtClean="0"/>
+                        <a:t>Gaussian NB</a:t>
                       </a:r>
                     </a:p>
                     <a:p>
@@ -3141,10 +3065,6 @@
                         <a:buFont typeface="Arial" panose="020B0604020202020204" pitchFamily="34" charset="0"/>
                         <a:buChar char="•"/>
                       </a:pPr>
-                      <a:r>
-                        <a:rPr lang="en-US" sz="1000" dirty="0" smtClean="0"/>
-                        <a:t>RG</a:t>
-                      </a:r>
                       <a:endParaRPr lang="en-US" sz="1000" dirty="0"/>
                     </a:p>
                   </a:txBody>
@@ -3159,15 +3079,25 @@
                         <a:buFont typeface="Arial" panose="020B0604020202020204" pitchFamily="34" charset="0"/>
                         <a:buChar char="•"/>
                       </a:pPr>
-                      <a:endParaRPr lang="en-US" sz="1000" dirty="0"/>
-                    </a:p>
-                  </a:txBody>
-                  <a:tcPr/>
-                </a:tc>
-                <a:tc>
-                  <a:txBody>
-                    <a:bodyPr/>
-                    <a:lstStyle/>
+                      <a:endParaRPr lang="en-US" sz="1000"/>
+                    </a:p>
+                  </a:txBody>
+                  <a:tcPr/>
+                </a:tc>
+                <a:tc>
+                  <a:txBody>
+                    <a:bodyPr/>
+                    <a:lstStyle/>
+                    <a:p>
+                      <a:pPr marL="171450" indent="-171450">
+                        <a:buFont typeface="Arial" panose="020B0604020202020204" pitchFamily="34" charset="0"/>
+                        <a:buChar char="•"/>
+                      </a:pPr>
+                      <a:r>
+                        <a:rPr lang="en-US" sz="1000" dirty="0" smtClean="0"/>
+                        <a:t>S</a:t>
+                      </a:r>
+                    </a:p>
                     <a:p>
                       <a:pPr marL="171450" indent="-171450">
                         <a:buFont typeface="Arial" panose="020B0604020202020204" pitchFamily="34" charset="0"/>
@@ -3201,6 +3131,141 @@
                     <a:p>
                       <a:r>
                         <a:rPr lang="en-US" sz="1000" dirty="0" smtClean="0"/>
+                        <a:t>Nearest</a:t>
+                      </a:r>
+                    </a:p>
+                    <a:p>
+                      <a:r>
+                        <a:rPr lang="en-US" sz="1000" dirty="0" smtClean="0"/>
+                        <a:t>Neighbors</a:t>
+                      </a:r>
+                    </a:p>
+                  </a:txBody>
+                  <a:tcPr/>
+                </a:tc>
+                <a:tc>
+                  <a:txBody>
+                    <a:bodyPr/>
+                    <a:lstStyle/>
+                    <a:p>
+                      <a:pPr marL="171450" indent="-171450">
+                        <a:buFont typeface="Arial" panose="020B0604020202020204" pitchFamily="34" charset="0"/>
+                        <a:buChar char="•"/>
+                      </a:pPr>
+                      <a:r>
+                        <a:rPr lang="en-US" sz="1000" dirty="0" smtClean="0"/>
+                        <a:t>Ball Tree KNN</a:t>
+                      </a:r>
+                    </a:p>
+                    <a:p>
+                      <a:pPr marL="171450" indent="-171450">
+                        <a:buFont typeface="Arial" panose="020B0604020202020204" pitchFamily="34" charset="0"/>
+                        <a:buChar char="•"/>
+                      </a:pPr>
+                      <a:r>
+                        <a:rPr lang="en-US" sz="1000" dirty="0" smtClean="0"/>
+                        <a:t>KD-Tree KNN</a:t>
+                      </a:r>
+                    </a:p>
+                    <a:p>
+                      <a:pPr marL="171450" indent="-171450">
+                        <a:buFont typeface="Arial" panose="020B0604020202020204" pitchFamily="34" charset="0"/>
+                        <a:buChar char="•"/>
+                      </a:pPr>
+                      <a:endParaRPr lang="en-US" sz="1000" dirty="0"/>
+                    </a:p>
+                  </a:txBody>
+                  <a:tcPr/>
+                </a:tc>
+                <a:tc>
+                  <a:txBody>
+                    <a:bodyPr/>
+                    <a:lstStyle/>
+                    <a:p>
+                      <a:pPr marL="171450" indent="-171450">
+                        <a:buFont typeface="Arial" panose="020B0604020202020204" pitchFamily="34" charset="0"/>
+                        <a:buChar char="•"/>
+                      </a:pPr>
+                      <a:r>
+                        <a:rPr lang="en-US" sz="1000" dirty="0" smtClean="0"/>
+                        <a:t>CS</a:t>
+                      </a:r>
+                    </a:p>
+                    <a:p>
+                      <a:pPr marL="171450" indent="-171450">
+                        <a:buFont typeface="Arial" panose="020B0604020202020204" pitchFamily="34" charset="0"/>
+                        <a:buChar char="•"/>
+                      </a:pPr>
+                      <a:r>
+                        <a:rPr lang="en-US" sz="1000" dirty="0" smtClean="0"/>
+                        <a:t>RG</a:t>
+                      </a:r>
+                      <a:endParaRPr lang="en-US" sz="1000" dirty="0"/>
+                    </a:p>
+                  </a:txBody>
+                  <a:tcPr/>
+                </a:tc>
+                <a:tc>
+                  <a:txBody>
+                    <a:bodyPr/>
+                    <a:lstStyle/>
+                    <a:p>
+                      <a:pPr marL="171450" indent="-171450">
+                        <a:buFont typeface="Arial" panose="020B0604020202020204" pitchFamily="34" charset="0"/>
+                        <a:buChar char="•"/>
+                      </a:pPr>
+                      <a:endParaRPr lang="en-US" sz="1000" dirty="0"/>
+                    </a:p>
+                  </a:txBody>
+                  <a:tcPr/>
+                </a:tc>
+                <a:tc>
+                  <a:txBody>
+                    <a:bodyPr/>
+                    <a:lstStyle/>
+                    <a:p>
+                      <a:pPr marL="171450" indent="-171450">
+                        <a:buFont typeface="Arial" panose="020B0604020202020204" pitchFamily="34" charset="0"/>
+                        <a:buChar char="•"/>
+                      </a:pPr>
+                      <a:r>
+                        <a:rPr lang="en-US" sz="1000" dirty="0" smtClean="0"/>
+                        <a:t>S</a:t>
+                      </a:r>
+                    </a:p>
+                    <a:p>
+                      <a:pPr marL="171450" indent="-171450">
+                        <a:buFont typeface="Arial" panose="020B0604020202020204" pitchFamily="34" charset="0"/>
+                        <a:buChar char="•"/>
+                      </a:pPr>
+                      <a:r>
+                        <a:rPr lang="en-US" sz="1000" dirty="0" smtClean="0"/>
+                        <a:t>R</a:t>
+                      </a:r>
+                      <a:endParaRPr lang="en-US" sz="1000" dirty="0"/>
+                    </a:p>
+                  </a:txBody>
+                  <a:tcPr/>
+                </a:tc>
+              </a:tr>
+              <a:tr h="609600">
+                <a:tc vMerge="1">
+                  <a:txBody>
+                    <a:bodyPr/>
+                    <a:lstStyle/>
+                    <a:p>
+                      <a:endParaRPr lang="en-US" sz="1000" dirty="0"/>
+                    </a:p>
+                  </a:txBody>
+                  <a:tcPr/>
+                </a:tc>
+                <a:tc>
+                  <a:txBody>
+                    <a:bodyPr/>
+                    <a:lstStyle/>
+                    <a:p>
+                      <a:r>
+                        <a:rPr lang="en-US" sz="1000" dirty="0" smtClean="0"/>
                         <a:t>Support</a:t>
                       </a:r>
                     </a:p>
@@ -3279,6 +3344,16 @@
                   <a:txBody>
                     <a:bodyPr/>
                     <a:lstStyle/>
+                    <a:p>
+                      <a:pPr marL="171450" indent="-171450">
+                        <a:buFont typeface="Arial" panose="020B0604020202020204" pitchFamily="34" charset="0"/>
+                        <a:buChar char="•"/>
+                      </a:pPr>
+                      <a:r>
+                        <a:rPr lang="en-US" sz="1000" dirty="0" smtClean="0"/>
+                        <a:t>S</a:t>
+                      </a:r>
+                    </a:p>
                     <a:p>
                       <a:pPr marL="171450" indent="-171450">
                         <a:buFont typeface="Arial" panose="020B0604020202020204" pitchFamily="34" charset="0"/>
@@ -3422,6 +3497,16 @@
                       </a:pPr>
                       <a:r>
                         <a:rPr lang="en-US" sz="1000" dirty="0" smtClean="0"/>
+                        <a:t>S</a:t>
+                      </a:r>
+                    </a:p>
+                    <a:p>
+                      <a:pPr marL="171450" indent="-171450">
+                        <a:buFont typeface="Arial" panose="020B0604020202020204" pitchFamily="34" charset="0"/>
+                        <a:buChar char="•"/>
+                      </a:pPr>
+                      <a:r>
+                        <a:rPr lang="en-US" sz="1000" dirty="0" smtClean="0"/>
                         <a:t>R</a:t>
                       </a:r>
                       <a:endParaRPr lang="en-US" sz="1000" dirty="0"/>
@@ -3510,6 +3595,16 @@
                   <a:txBody>
                     <a:bodyPr/>
                     <a:lstStyle/>
+                    <a:p>
+                      <a:pPr marL="171450" indent="-171450">
+                        <a:buFont typeface="Arial" panose="020B0604020202020204" pitchFamily="34" charset="0"/>
+                        <a:buChar char="•"/>
+                      </a:pPr>
+                      <a:r>
+                        <a:rPr lang="en-US" sz="1000" dirty="0" smtClean="0"/>
+                        <a:t>S</a:t>
+                      </a:r>
+                    </a:p>
                     <a:p>
                       <a:pPr marL="171450" indent="-171450">
                         <a:buFont typeface="Arial" panose="020B0604020202020204" pitchFamily="34" charset="0"/>
@@ -3712,10 +3807,6 @@
                         <a:buFont typeface="Arial" panose="020B0604020202020204" pitchFamily="34" charset="0"/>
                         <a:buChar char="•"/>
                       </a:pPr>
-                      <a:r>
-                        <a:rPr lang="en-US" sz="1000" dirty="0" smtClean="0"/>
-                        <a:t>RS</a:t>
-                      </a:r>
                       <a:endParaRPr lang="en-US" sz="1000" dirty="0"/>
                     </a:p>
                   </a:txBody>
